--- a/lecture-slides_upload/lab-activity/10-many-groups-lab.pptx
+++ b/lecture-slides_upload/lab-activity/10-many-groups-lab.pptx
@@ -206,7 +206,7 @@
           <a:p>
             <a:fld id="{D0947C45-2BA1-F246-9FC0-5EA833091CE3}" type="datetimeFigureOut">
               <a:rPr lang="en-US" smtClean="0"/>
-              <a:t>11/9/22</a:t>
+              <a:t>3/27/24</a:t>
             </a:fld>
             <a:endParaRPr lang="en-US"/>
           </a:p>
@@ -707,7 +707,7 @@
           <a:p>
             <a:fld id="{569BCA8D-8583-A540-BB1D-E2FA4B9A1EB3}" type="datetimeFigureOut">
               <a:rPr lang="en-US" smtClean="0"/>
-              <a:t>11/9/22</a:t>
+              <a:t>3/27/24</a:t>
             </a:fld>
             <a:endParaRPr lang="en-US"/>
           </a:p>
@@ -905,7 +905,7 @@
           <a:p>
             <a:fld id="{569BCA8D-8583-A540-BB1D-E2FA4B9A1EB3}" type="datetimeFigureOut">
               <a:rPr lang="en-US" smtClean="0"/>
-              <a:t>11/9/22</a:t>
+              <a:t>3/27/24</a:t>
             </a:fld>
             <a:endParaRPr lang="en-US"/>
           </a:p>
@@ -1113,7 +1113,7 @@
           <a:p>
             <a:fld id="{569BCA8D-8583-A540-BB1D-E2FA4B9A1EB3}" type="datetimeFigureOut">
               <a:rPr lang="en-US" smtClean="0"/>
-              <a:t>11/9/22</a:t>
+              <a:t>3/27/24</a:t>
             </a:fld>
             <a:endParaRPr lang="en-US"/>
           </a:p>
@@ -1311,7 +1311,7 @@
           <a:p>
             <a:fld id="{569BCA8D-8583-A540-BB1D-E2FA4B9A1EB3}" type="datetimeFigureOut">
               <a:rPr lang="en-US" smtClean="0"/>
-              <a:t>11/9/22</a:t>
+              <a:t>3/27/24</a:t>
             </a:fld>
             <a:endParaRPr lang="en-US"/>
           </a:p>
@@ -1586,7 +1586,7 @@
           <a:p>
             <a:fld id="{569BCA8D-8583-A540-BB1D-E2FA4B9A1EB3}" type="datetimeFigureOut">
               <a:rPr lang="en-US" smtClean="0"/>
-              <a:t>11/9/22</a:t>
+              <a:t>3/27/24</a:t>
             </a:fld>
             <a:endParaRPr lang="en-US"/>
           </a:p>
@@ -1851,7 +1851,7 @@
           <a:p>
             <a:fld id="{569BCA8D-8583-A540-BB1D-E2FA4B9A1EB3}" type="datetimeFigureOut">
               <a:rPr lang="en-US" smtClean="0"/>
-              <a:t>11/9/22</a:t>
+              <a:t>3/27/24</a:t>
             </a:fld>
             <a:endParaRPr lang="en-US"/>
           </a:p>
@@ -2263,7 +2263,7 @@
           <a:p>
             <a:fld id="{569BCA8D-8583-A540-BB1D-E2FA4B9A1EB3}" type="datetimeFigureOut">
               <a:rPr lang="en-US" smtClean="0"/>
-              <a:t>11/9/22</a:t>
+              <a:t>3/27/24</a:t>
             </a:fld>
             <a:endParaRPr lang="en-US"/>
           </a:p>
@@ -2404,7 +2404,7 @@
           <a:p>
             <a:fld id="{569BCA8D-8583-A540-BB1D-E2FA4B9A1EB3}" type="datetimeFigureOut">
               <a:rPr lang="en-US" smtClean="0"/>
-              <a:t>11/9/22</a:t>
+              <a:t>3/27/24</a:t>
             </a:fld>
             <a:endParaRPr lang="en-US"/>
           </a:p>
@@ -2517,7 +2517,7 @@
           <a:p>
             <a:fld id="{569BCA8D-8583-A540-BB1D-E2FA4B9A1EB3}" type="datetimeFigureOut">
               <a:rPr lang="en-US" smtClean="0"/>
-              <a:t>11/9/22</a:t>
+              <a:t>3/27/24</a:t>
             </a:fld>
             <a:endParaRPr lang="en-US"/>
           </a:p>
@@ -2828,7 +2828,7 @@
           <a:p>
             <a:fld id="{569BCA8D-8583-A540-BB1D-E2FA4B9A1EB3}" type="datetimeFigureOut">
               <a:rPr lang="en-US" smtClean="0"/>
-              <a:t>11/9/22</a:t>
+              <a:t>3/27/24</a:t>
             </a:fld>
             <a:endParaRPr lang="en-US"/>
           </a:p>
@@ -3116,7 +3116,7 @@
           <a:p>
             <a:fld id="{569BCA8D-8583-A540-BB1D-E2FA4B9A1EB3}" type="datetimeFigureOut">
               <a:rPr lang="en-US" smtClean="0"/>
-              <a:t>11/9/22</a:t>
+              <a:t>3/27/24</a:t>
             </a:fld>
             <a:endParaRPr lang="en-US"/>
           </a:p>
@@ -3357,7 +3357,7 @@
           <a:p>
             <a:fld id="{569BCA8D-8583-A540-BB1D-E2FA4B9A1EB3}" type="datetimeFigureOut">
               <a:rPr lang="en-US" smtClean="0"/>
-              <a:t>11/9/22</a:t>
+              <a:t>3/27/24</a:t>
             </a:fld>
             <a:endParaRPr lang="en-US"/>
           </a:p>
@@ -3825,18 +3825,18 @@
           <a:p>
             <a:r>
               <a:rPr lang="en-US" dirty="0"/>
-              <a:t>Jamil Bhanji &amp; Vanessa </a:t>
+              <a:t>Jamil Palacios </a:t>
             </a:r>
             <a:r>
               <a:rPr lang="en-US" dirty="0" err="1"/>
-              <a:t>Lobue</a:t>
+              <a:t>Bhanji</a:t>
             </a:r>
             <a:endParaRPr lang="en-US" dirty="0"/>
           </a:p>
           <a:p>
             <a:r>
               <a:rPr lang="en-US" dirty="0"/>
-              <a:t>Nov 10 2022</a:t>
+              <a:t>Spring 2024</a:t>
             </a:r>
           </a:p>
         </p:txBody>
@@ -4150,7 +4150,7 @@
             </a:r>
             <a:r>
               <a:rPr lang="en-US" sz="1800" dirty="0"/>
-              <a:t> - Cardiac output during interaction with a partner (preparing for a marketing pitch about a hypothetical product). Higher cardiac output is thought to represent an interpretation of a stressor as a “challenge” (as opposed to a threat; e.g., </a:t>
+              <a:t> - Cardiac output during social cooperation (preparing with a partner for a marketing pitch about a hypothetical product). Higher cardiac output is thought to represent an interpretation of a stressor as a “challenge” (as opposed to a threat; e.g., </a:t>
             </a:r>
             <a:r>
               <a:rPr lang="en-US" sz="1800" dirty="0">
